--- a/Slides_MICRO56/2.vortex_microarchitecture.pptx
+++ b/Slides_MICRO56/2.vortex_microarchitecture.pptx
@@ -6,7 +6,7 @@
     <p:sldMasterId id="2147483660" r:id="rId5"/>
   </p:sldMasterIdLst>
   <p:notesMasterIdLst>
-    <p:notesMasterId r:id="rId24"/>
+    <p:notesMasterId r:id="rId23"/>
   </p:notesMasterIdLst>
   <p:sldIdLst>
     <p:sldId id="256" r:id="rId6"/>
@@ -24,24 +24,23 @@
     <p:sldId id="304" r:id="rId18"/>
     <p:sldId id="305" r:id="rId19"/>
     <p:sldId id="275" r:id="rId20"/>
-    <p:sldId id="288" r:id="rId21"/>
-    <p:sldId id="289" r:id="rId22"/>
-    <p:sldId id="294" r:id="rId23"/>
+    <p:sldId id="289" r:id="rId21"/>
+    <p:sldId id="294" r:id="rId22"/>
   </p:sldIdLst>
   <p:sldSz cx="12192000" cy="6858000"/>
   <p:notesSz cx="6858000" cy="9144000"/>
   <p:embeddedFontLst>
     <p:embeddedFont>
       <p:font typeface="Calibri" panose="020F0502020204030204" pitchFamily="34" charset="0"/>
-      <p:regular r:id="rId25"/>
-      <p:bold r:id="rId26"/>
-      <p:italic r:id="rId27"/>
-      <p:boldItalic r:id="rId28"/>
+      <p:regular r:id="rId24"/>
+      <p:bold r:id="rId25"/>
+      <p:italic r:id="rId26"/>
+      <p:boldItalic r:id="rId27"/>
     </p:embeddedFont>
     <p:embeddedFont>
       <p:font typeface="Tahoma" panose="020B0604030504040204" pitchFamily="34" charset="0"/>
-      <p:regular r:id="rId29"/>
-      <p:bold r:id="rId30"/>
+      <p:regular r:id="rId28"/>
+      <p:bold r:id="rId29"/>
     </p:embeddedFont>
   </p:embeddedFontLst>
   <p:defaultTextStyle>
@@ -289,7 +288,7 @@
       </p15:sldGuideLst>
     </p:ext>
     <p:ext uri="http://customooxmlschemas.google.com/">
-      <go:slidesCustomData xmlns="" xmlns:mc="http://schemas.openxmlformats.org/markup-compatibility/2006" xmlns:mv="urn:schemas-microsoft-com:mac:vml" xmlns:c="http://schemas.openxmlformats.org/drawingml/2006/chart" xmlns:dgm="http://schemas.openxmlformats.org/drawingml/2006/diagram" xmlns:o="urn:schemas-microsoft-com:office:office" xmlns:v="urn:schemas-microsoft-com:vml" xmlns:pvml="urn:schemas-microsoft-com:office:powerpoint" xmlns:com="http://schemas.openxmlformats.org/drawingml/2006/compatibility" xmlns:p14="http://schemas.microsoft.com/office/powerpoint/2010/main" xmlns:p15="http://schemas.microsoft.com/office/powerpoint/2012/main" xmlns:go="http://customooxmlschemas.google.com/" r:id="rId40" roundtripDataSignature="AMtx7mhZ4xxTzL3d/7saKVOWLYiqxK7bFw=="/>
+      <go:slidesCustomData xmlns:go="http://customooxmlschemas.google.com/" xmlns:p15="http://schemas.microsoft.com/office/powerpoint/2012/main" xmlns:p14="http://schemas.microsoft.com/office/powerpoint/2010/main" xmlns:com="http://schemas.openxmlformats.org/drawingml/2006/compatibility" xmlns:pvml="urn:schemas-microsoft-com:office:powerpoint" xmlns:v="urn:schemas-microsoft-com:vml" xmlns:o="urn:schemas-microsoft-com:office:office" xmlns:dgm="http://schemas.openxmlformats.org/drawingml/2006/diagram" xmlns:c="http://schemas.openxmlformats.org/drawingml/2006/chart" xmlns:mv="urn:schemas-microsoft-com:mac:vml" xmlns:mc="http://schemas.openxmlformats.org/markup-compatibility/2006" xmlns="" r:id="rId40" roundtripDataSignature="AMtx7mhZ4xxTzL3d/7saKVOWLYiqxK7bFw=="/>
     </p:ext>
   </p:extLst>
 </p:presentation>
@@ -3641,7 +3640,7 @@
     </p:spTree>
     <p:extLst>
       <p:ext uri="{BB962C8B-B14F-4D97-AF65-F5344CB8AC3E}">
-        <p14:creationId xmlns:p14="http://schemas.microsoft.com/office/powerpoint/2010/main" val="1484892357"/>
+        <p14:creationId xmlns:p14="http://schemas.microsoft.com/office/powerpoint/2010/main" val="78629043"/>
       </p:ext>
     </p:extLst>
   </p:cSld>
@@ -3652,183 +3651,6 @@
 </file>
 
 <file path=ppt/notesSlides/notesSlide17.xml><?xml version="1.0" encoding="utf-8"?>
-<p:notes xmlns:a="http://schemas.openxmlformats.org/drawingml/2006/main" xmlns:r="http://schemas.openxmlformats.org/officeDocument/2006/relationships" xmlns:p="http://schemas.openxmlformats.org/presentationml/2006/main" showMasterSp="0" showMasterPhAnim="0">
-  <p:cSld>
-    <p:spTree>
-      <p:nvGrpSpPr>
-        <p:cNvPr id="1" name="Shape 271"/>
-        <p:cNvGrpSpPr/>
-        <p:nvPr/>
-      </p:nvGrpSpPr>
-      <p:grpSpPr>
-        <a:xfrm>
-          <a:off x="0" y="0"/>
-          <a:ext cx="0" cy="0"/>
-          <a:chOff x="0" y="0"/>
-          <a:chExt cx="0" cy="0"/>
-        </a:xfrm>
-      </p:grpSpPr>
-      <p:sp>
-        <p:nvSpPr>
-          <p:cNvPr id="272" name="Google Shape;272;p9:notes"/>
-          <p:cNvSpPr>
-            <a:spLocks noGrp="1" noRot="1" noChangeAspect="1"/>
-          </p:cNvSpPr>
-          <p:nvPr>
-            <p:ph type="sldImg" idx="2"/>
-          </p:nvPr>
-        </p:nvSpPr>
-        <p:spPr>
-          <a:xfrm>
-            <a:off x="685800" y="1143000"/>
-            <a:ext cx="5486400" cy="3086100"/>
-          </a:xfrm>
-          <a:custGeom>
-            <a:avLst/>
-            <a:gdLst/>
-            <a:ahLst/>
-            <a:cxnLst/>
-            <a:rect l="l" t="t" r="r" b="b"/>
-            <a:pathLst>
-              <a:path w="120000" h="120000" extrusionOk="0">
-                <a:moveTo>
-                  <a:pt x="0" y="0"/>
-                </a:moveTo>
-                <a:lnTo>
-                  <a:pt x="120000" y="0"/>
-                </a:lnTo>
-                <a:lnTo>
-                  <a:pt x="120000" y="120000"/>
-                </a:lnTo>
-                <a:lnTo>
-                  <a:pt x="0" y="120000"/>
-                </a:lnTo>
-                <a:close/>
-              </a:path>
-            </a:pathLst>
-          </a:custGeom>
-          <a:noFill/>
-          <a:ln w="12700" cap="flat" cmpd="sng">
-            <a:solidFill>
-              <a:srgbClr val="000000"/>
-            </a:solidFill>
-            <a:prstDash val="solid"/>
-            <a:round/>
-            <a:headEnd type="none" w="sm" len="sm"/>
-            <a:tailEnd type="none" w="sm" len="sm"/>
-          </a:ln>
-        </p:spPr>
-      </p:sp>
-      <p:sp>
-        <p:nvSpPr>
-          <p:cNvPr id="273" name="Google Shape;273;p9:notes"/>
-          <p:cNvSpPr txBox="1">
-            <a:spLocks noGrp="1"/>
-          </p:cNvSpPr>
-          <p:nvPr>
-            <p:ph type="body" idx="1"/>
-          </p:nvPr>
-        </p:nvSpPr>
-        <p:spPr>
-          <a:xfrm>
-            <a:off x="685800" y="4400550"/>
-            <a:ext cx="5486400" cy="3600450"/>
-          </a:xfrm>
-          <a:prstGeom prst="rect">
-            <a:avLst/>
-          </a:prstGeom>
-          <a:noFill/>
-          <a:ln>
-            <a:noFill/>
-          </a:ln>
-        </p:spPr>
-        <p:txBody>
-          <a:bodyPr spcFirstLastPara="1" wrap="square" lIns="91425" tIns="45700" rIns="91425" bIns="45700" anchor="t" anchorCtr="0">
-            <a:noAutofit/>
-          </a:bodyPr>
-          <a:lstStyle/>
-          <a:p>
-            <a:pPr marL="0" lvl="0" indent="0" algn="l" rtl="0">
-              <a:lnSpc>
-                <a:spcPct val="100000"/>
-              </a:lnSpc>
-              <a:spcBef>
-                <a:spcPts val="0"/>
-              </a:spcBef>
-              <a:spcAft>
-                <a:spcPts val="0"/>
-              </a:spcAft>
-              <a:buSzPts val="1400"/>
-              <a:buNone/>
-            </a:pPr>
-            <a:endParaRPr/>
-          </a:p>
-        </p:txBody>
-      </p:sp>
-      <p:sp>
-        <p:nvSpPr>
-          <p:cNvPr id="274" name="Google Shape;274;p9:notes"/>
-          <p:cNvSpPr txBox="1">
-            <a:spLocks noGrp="1"/>
-          </p:cNvSpPr>
-          <p:nvPr>
-            <p:ph type="sldNum" idx="12"/>
-          </p:nvPr>
-        </p:nvSpPr>
-        <p:spPr>
-          <a:xfrm>
-            <a:off x="3884613" y="8685213"/>
-            <a:ext cx="2971800" cy="458787"/>
-          </a:xfrm>
-          <a:prstGeom prst="rect">
-            <a:avLst/>
-          </a:prstGeom>
-          <a:noFill/>
-          <a:ln>
-            <a:noFill/>
-          </a:ln>
-        </p:spPr>
-        <p:txBody>
-          <a:bodyPr spcFirstLastPara="1" wrap="square" lIns="91425" tIns="45700" rIns="91425" bIns="45700" anchor="b" anchorCtr="0">
-            <a:noAutofit/>
-          </a:bodyPr>
-          <a:lstStyle/>
-          <a:p>
-            <a:pPr marL="0" lvl="0" indent="0" algn="r" rtl="0">
-              <a:lnSpc>
-                <a:spcPct val="100000"/>
-              </a:lnSpc>
-              <a:spcBef>
-                <a:spcPts val="0"/>
-              </a:spcBef>
-              <a:spcAft>
-                <a:spcPts val="0"/>
-              </a:spcAft>
-              <a:buSzPts val="1400"/>
-              <a:buNone/>
-            </a:pPr>
-            <a:fld id="{00000000-1234-1234-1234-123412341234}" type="slidenum">
-              <a:rPr lang="en-US"/>
-              <a:t>17</a:t>
-            </a:fld>
-            <a:endParaRPr/>
-          </a:p>
-        </p:txBody>
-      </p:sp>
-    </p:spTree>
-    <p:extLst>
-      <p:ext uri="{BB962C8B-B14F-4D97-AF65-F5344CB8AC3E}">
-        <p14:creationId xmlns:p14="http://schemas.microsoft.com/office/powerpoint/2010/main" val="78629043"/>
-      </p:ext>
-    </p:extLst>
-  </p:cSld>
-  <p:clrMapOvr>
-    <a:masterClrMapping/>
-  </p:clrMapOvr>
-</p:notes>
-</file>
-
-<file path=ppt/notesSlides/notesSlide18.xml><?xml version="1.0" encoding="utf-8"?>
 <p:notes xmlns:a="http://schemas.openxmlformats.org/drawingml/2006/main" xmlns:r="http://schemas.openxmlformats.org/officeDocument/2006/relationships" xmlns:p="http://schemas.openxmlformats.org/presentationml/2006/main" showMasterSp="0" showMasterPhAnim="0">
   <p:cSld>
     <p:spTree>
@@ -3986,7 +3808,7 @@
             </a:pPr>
             <a:fld id="{00000000-1234-1234-1234-123412341234}" type="slidenum">
               <a:rPr lang="en-US"/>
-              <a:t>18</a:t>
+              <a:t>17</a:t>
             </a:fld>
             <a:endParaRPr/>
           </a:p>
@@ -9236,7 +9058,7 @@
         <p:fade/>
       </p:transition>
     </mc:Choice>
-    <mc:Fallback xmlns="" xmlns:mv="urn:schemas-microsoft-com:mac:vml" xmlns:c="http://schemas.openxmlformats.org/drawingml/2006/chart" xmlns:dgm="http://schemas.openxmlformats.org/drawingml/2006/diagram" xmlns:o="urn:schemas-microsoft-com:office:office" xmlns:v="urn:schemas-microsoft-com:vml" xmlns:pvml="urn:schemas-microsoft-com:office:powerpoint" xmlns:com="http://schemas.openxmlformats.org/drawingml/2006/compatibility" xmlns:p15="http://schemas.microsoft.com/office/powerpoint/2012/main">
+    <mc:Fallback xmlns:p15="http://schemas.microsoft.com/office/powerpoint/2012/main" xmlns:com="http://schemas.openxmlformats.org/drawingml/2006/compatibility" xmlns:pvml="urn:schemas-microsoft-com:office:powerpoint" xmlns:v="urn:schemas-microsoft-com:vml" xmlns:o="urn:schemas-microsoft-com:office:office" xmlns:dgm="http://schemas.openxmlformats.org/drawingml/2006/diagram" xmlns:c="http://schemas.openxmlformats.org/drawingml/2006/chart" xmlns:mv="urn:schemas-microsoft-com:mac:vml" xmlns="">
       <p:transition spd="slow">
         <p:fade/>
       </p:transition>
@@ -17504,7 +17326,7 @@
         <p:fade/>
       </p:transition>
     </mc:Choice>
-    <mc:Fallback xmlns="" xmlns:mv="urn:schemas-microsoft-com:mac:vml" xmlns:c="http://schemas.openxmlformats.org/drawingml/2006/chart" xmlns:dgm="http://schemas.openxmlformats.org/drawingml/2006/diagram" xmlns:o="urn:schemas-microsoft-com:office:office" xmlns:v="urn:schemas-microsoft-com:vml" xmlns:pvml="urn:schemas-microsoft-com:office:powerpoint" xmlns:com="http://schemas.openxmlformats.org/drawingml/2006/compatibility" xmlns:p15="http://schemas.microsoft.com/office/powerpoint/2012/main">
+    <mc:Fallback xmlns:p15="http://schemas.microsoft.com/office/powerpoint/2012/main" xmlns:com="http://schemas.openxmlformats.org/drawingml/2006/compatibility" xmlns:pvml="urn:schemas-microsoft-com:office:powerpoint" xmlns:v="urn:schemas-microsoft-com:vml" xmlns:o="urn:schemas-microsoft-com:office:office" xmlns:dgm="http://schemas.openxmlformats.org/drawingml/2006/diagram" xmlns:c="http://schemas.openxmlformats.org/drawingml/2006/chart" xmlns:mv="urn:schemas-microsoft-com:mac:vml" xmlns="">
       <p:transition spd="slow">
         <p:fade/>
       </p:transition>
@@ -36300,943 +36122,6 @@
       </p:grpSpPr>
       <p:sp>
         <p:nvSpPr>
-          <p:cNvPr id="276" name="Google Shape;276;p9"/>
-          <p:cNvSpPr txBox="1">
-            <a:spLocks noGrp="1"/>
-          </p:cNvSpPr>
-          <p:nvPr>
-            <p:ph type="title"/>
-          </p:nvPr>
-        </p:nvSpPr>
-        <p:spPr>
-          <a:xfrm>
-            <a:off x="304800" y="152400"/>
-            <a:ext cx="11277600" cy="838200"/>
-          </a:xfrm>
-          <a:prstGeom prst="rect">
-            <a:avLst/>
-          </a:prstGeom>
-          <a:noFill/>
-          <a:ln>
-            <a:noFill/>
-          </a:ln>
-        </p:spPr>
-        <p:txBody>
-          <a:bodyPr spcFirstLastPara="1" wrap="square" lIns="91425" tIns="45700" rIns="91425" bIns="45700" anchor="b" anchorCtr="0">
-            <a:normAutofit/>
-          </a:bodyPr>
-          <a:lstStyle/>
-          <a:p>
-            <a:pPr marL="0" lvl="0" indent="0" algn="l" rtl="0">
-              <a:lnSpc>
-                <a:spcPct val="100000"/>
-              </a:lnSpc>
-              <a:spcBef>
-                <a:spcPts val="0"/>
-              </a:spcBef>
-              <a:spcAft>
-                <a:spcPts val="0"/>
-              </a:spcAft>
-              <a:buClr>
-                <a:srgbClr val="1F394D"/>
-              </a:buClr>
-              <a:buSzPts val="3200"/>
-              <a:buFont typeface="Tahoma"/>
-              <a:buNone/>
-            </a:pPr>
-            <a:r>
-              <a:rPr lang="en-US" dirty="0"/>
-              <a:t>Vortex High-bandwidth Caches (2)</a:t>
-            </a:r>
-            <a:endParaRPr dirty="0"/>
-          </a:p>
-        </p:txBody>
-      </p:sp>
-      <p:sp>
-        <p:nvSpPr>
-          <p:cNvPr id="277" name="Google Shape;277;p9"/>
-          <p:cNvSpPr txBox="1">
-            <a:spLocks noGrp="1"/>
-          </p:cNvSpPr>
-          <p:nvPr>
-            <p:ph type="ftr" idx="11"/>
-          </p:nvPr>
-        </p:nvSpPr>
-        <p:spPr>
-          <a:xfrm>
-            <a:off x="304800" y="6579370"/>
-            <a:ext cx="7823200" cy="228600"/>
-          </a:xfrm>
-          <a:prstGeom prst="rect">
-            <a:avLst/>
-          </a:prstGeom>
-          <a:noFill/>
-          <a:ln>
-            <a:noFill/>
-          </a:ln>
-        </p:spPr>
-        <p:txBody>
-          <a:bodyPr spcFirstLastPara="1" wrap="square" lIns="91425" tIns="45700" rIns="91425" bIns="45700" anchor="t" anchorCtr="0">
-            <a:noAutofit/>
-          </a:bodyPr>
-          <a:lstStyle/>
-          <a:p>
-            <a:pPr marL="0" lvl="0" indent="0" algn="l" rtl="0">
-              <a:lnSpc>
-                <a:spcPct val="100000"/>
-              </a:lnSpc>
-              <a:spcBef>
-                <a:spcPts val="0"/>
-              </a:spcBef>
-              <a:spcAft>
-                <a:spcPts val="0"/>
-              </a:spcAft>
-              <a:buSzPts val="1400"/>
-              <a:buNone/>
-            </a:pPr>
-            <a:r>
-              <a:rPr lang="en-US">
-                <a:solidFill>
-                  <a:srgbClr val="000000"/>
-                </a:solidFill>
-              </a:rPr>
-              <a:t> </a:t>
-            </a:r>
-            <a:endParaRPr/>
-          </a:p>
-        </p:txBody>
-      </p:sp>
-      <p:sp>
-        <p:nvSpPr>
-          <p:cNvPr id="278" name="Google Shape;278;p9"/>
-          <p:cNvSpPr txBox="1">
-            <a:spLocks noGrp="1"/>
-          </p:cNvSpPr>
-          <p:nvPr>
-            <p:ph type="sldNum" idx="12"/>
-          </p:nvPr>
-        </p:nvSpPr>
-        <p:spPr>
-          <a:xfrm>
-            <a:off x="11277600" y="6604233"/>
-            <a:ext cx="1016000" cy="228600"/>
-          </a:xfrm>
-          <a:prstGeom prst="rect">
-            <a:avLst/>
-          </a:prstGeom>
-          <a:noFill/>
-          <a:ln>
-            <a:noFill/>
-          </a:ln>
-        </p:spPr>
-        <p:txBody>
-          <a:bodyPr spcFirstLastPara="1" wrap="square" lIns="91425" tIns="45700" rIns="91425" bIns="45700" anchor="t" anchorCtr="0">
-            <a:noAutofit/>
-          </a:bodyPr>
-          <a:lstStyle/>
-          <a:p>
-            <a:pPr marL="0" lvl="0" indent="0" algn="ctr" rtl="0">
-              <a:lnSpc>
-                <a:spcPct val="100000"/>
-              </a:lnSpc>
-              <a:spcBef>
-                <a:spcPts val="0"/>
-              </a:spcBef>
-              <a:spcAft>
-                <a:spcPts val="0"/>
-              </a:spcAft>
-              <a:buSzPts val="1000"/>
-              <a:buNone/>
-            </a:pPr>
-            <a:fld id="{00000000-1234-1234-1234-123412341234}" type="slidenum">
-              <a:rPr lang="en-US">
-                <a:solidFill>
-                  <a:srgbClr val="000000"/>
-                </a:solidFill>
-              </a:rPr>
-              <a:t>16</a:t>
-            </a:fld>
-            <a:endParaRPr>
-              <a:solidFill>
-                <a:srgbClr val="000000"/>
-              </a:solidFill>
-            </a:endParaRPr>
-          </a:p>
-        </p:txBody>
-      </p:sp>
-      <p:sp>
-        <p:nvSpPr>
-          <p:cNvPr id="9" name="Google Shape;267;p8">
-            <a:extLst>
-              <a:ext uri="{FF2B5EF4-FFF2-40B4-BE49-F238E27FC236}">
-                <a16:creationId xmlns:a16="http://schemas.microsoft.com/office/drawing/2014/main" id="{276091D9-9CD3-45FA-A6DD-023BA3CACE2E}"/>
-              </a:ext>
-            </a:extLst>
-          </p:cNvPr>
-          <p:cNvSpPr txBox="1">
-            <a:spLocks noGrp="1"/>
-          </p:cNvSpPr>
-          <p:nvPr>
-            <p:ph type="body" idx="1"/>
-          </p:nvPr>
-        </p:nvSpPr>
-        <p:spPr>
-          <a:xfrm>
-            <a:off x="304800" y="1142999"/>
-            <a:ext cx="5551055" cy="5293312"/>
-          </a:xfrm>
-          <a:prstGeom prst="rect">
-            <a:avLst/>
-          </a:prstGeom>
-          <a:noFill/>
-          <a:ln>
-            <a:noFill/>
-          </a:ln>
-        </p:spPr>
-        <p:txBody>
-          <a:bodyPr spcFirstLastPara="1" wrap="square" lIns="91425" tIns="45700" rIns="91425" bIns="45700" anchor="t" anchorCtr="0">
-            <a:normAutofit/>
-          </a:bodyPr>
-          <a:lstStyle/>
-          <a:p>
-            <a:pPr marL="0" lvl="0" indent="0" algn="l" rtl="0">
-              <a:lnSpc>
-                <a:spcPct val="100000"/>
-              </a:lnSpc>
-              <a:spcBef>
-                <a:spcPts val="0"/>
-              </a:spcBef>
-              <a:spcAft>
-                <a:spcPts val="0"/>
-              </a:spcAft>
-              <a:buSzPts val="2800"/>
-              <a:buNone/>
-            </a:pPr>
-            <a:r>
-              <a:rPr lang="en-US" dirty="0"/>
-              <a:t>Reducing bank conflicts on GPU</a:t>
-            </a:r>
-            <a:endParaRPr lang="en-US" sz="2000" dirty="0"/>
-          </a:p>
-          <a:p>
-            <a:pPr marL="548640" lvl="1" indent="-274319">
-              <a:buSzPts val="1824"/>
-            </a:pPr>
-            <a:r>
-              <a:rPr lang="en-US" dirty="0"/>
-              <a:t>Coalescing aligned memory addresses</a:t>
-            </a:r>
-          </a:p>
-          <a:p>
-            <a:pPr marL="548640" lvl="1" indent="-274319">
-              <a:buSzPts val="1824"/>
-            </a:pPr>
-            <a:r>
-              <a:rPr lang="en-US" dirty="0"/>
-              <a:t>Takes place inside the LSU</a:t>
-            </a:r>
-            <a:endParaRPr lang="en-US" sz="500" dirty="0"/>
-          </a:p>
-          <a:p>
-            <a:pPr marL="0" indent="0">
-              <a:buSzPts val="1824"/>
-              <a:buNone/>
-            </a:pPr>
-            <a:r>
-              <a:rPr lang="en-US" dirty="0"/>
-              <a:t>Design shortcomings for Vortex</a:t>
-            </a:r>
-          </a:p>
-          <a:p>
-            <a:pPr marL="548640" lvl="1" indent="-274319">
-              <a:buSzPts val="1824"/>
-            </a:pPr>
-            <a:r>
-              <a:rPr lang="en-US" dirty="0"/>
-              <a:t>LSU and Cache Intra-dependency</a:t>
-            </a:r>
-          </a:p>
-          <a:p>
-            <a:pPr marL="548640" lvl="1" indent="-274319">
-              <a:buSzPts val="1824"/>
-            </a:pPr>
-            <a:r>
-              <a:rPr lang="en-US" dirty="0"/>
-              <a:t>LSU overhead</a:t>
-            </a:r>
-          </a:p>
-          <a:p>
-            <a:pPr marL="548640" lvl="1" indent="-274319">
-              <a:buSzPts val="1824"/>
-            </a:pPr>
-            <a:r>
-              <a:rPr lang="en-US" dirty="0"/>
-              <a:t>Cache request overhead</a:t>
-            </a:r>
-          </a:p>
-          <a:p>
-            <a:pPr marL="548640" lvl="1" indent="-274319">
-              <a:buSzPts val="1824"/>
-            </a:pPr>
-            <a:r>
-              <a:rPr lang="en-US" dirty="0"/>
-              <a:t>Shared memory doesn’t need coalescing</a:t>
-            </a:r>
-          </a:p>
-          <a:p>
-            <a:pPr marL="1005840" lvl="2" indent="-274319">
-              <a:buSzPts val="1824"/>
-              <a:buFont typeface="Noto Sans Symbols"/>
-              <a:buChar char="•"/>
-            </a:pPr>
-            <a:r>
-              <a:rPr lang="en-US" dirty="0"/>
-              <a:t>Unnecessary delay cycle</a:t>
-            </a:r>
-          </a:p>
-          <a:p>
-            <a:pPr marL="548640" lvl="1" indent="-274319">
-              <a:buSzPts val="1824"/>
-            </a:pPr>
-            <a:r>
-              <a:rPr lang="en-US" dirty="0"/>
-              <a:t>L2/L3 caches also have bank conflicts</a:t>
-            </a:r>
-          </a:p>
-        </p:txBody>
-      </p:sp>
-      <p:sp>
-        <p:nvSpPr>
-          <p:cNvPr id="8" name="Google Shape;278;p9">
-            <a:extLst>
-              <a:ext uri="{FF2B5EF4-FFF2-40B4-BE49-F238E27FC236}">
-                <a16:creationId xmlns:a16="http://schemas.microsoft.com/office/drawing/2014/main" id="{B0315AB1-4413-40BA-83D1-A8DF69BEEF4D}"/>
-              </a:ext>
-            </a:extLst>
-          </p:cNvPr>
-          <p:cNvSpPr txBox="1">
-            <a:spLocks/>
-          </p:cNvSpPr>
-          <p:nvPr/>
-        </p:nvSpPr>
-        <p:spPr>
-          <a:xfrm>
-            <a:off x="11277600" y="6604233"/>
-            <a:ext cx="1016000" cy="228600"/>
-          </a:xfrm>
-          <a:prstGeom prst="rect">
-            <a:avLst/>
-          </a:prstGeom>
-          <a:noFill/>
-          <a:ln>
-            <a:noFill/>
-          </a:ln>
-        </p:spPr>
-        <p:txBody>
-          <a:bodyPr spcFirstLastPara="1" wrap="square" lIns="91425" tIns="45700" rIns="91425" bIns="45700" anchor="t" anchorCtr="0">
-            <a:noAutofit/>
-          </a:bodyPr>
-          <a:lstStyle>
-            <a:defPPr marR="0" lvl="0" algn="l" rtl="0">
-              <a:lnSpc>
-                <a:spcPct val="100000"/>
-              </a:lnSpc>
-              <a:spcBef>
-                <a:spcPts val="0"/>
-              </a:spcBef>
-              <a:spcAft>
-                <a:spcPts val="0"/>
-              </a:spcAft>
-            </a:defPPr>
-            <a:lvl1pPr marL="0" marR="0" lvl="0" indent="0" algn="ctr" rtl="0">
-              <a:lnSpc>
-                <a:spcPct val="100000"/>
-              </a:lnSpc>
-              <a:spcBef>
-                <a:spcPts val="0"/>
-              </a:spcBef>
-              <a:spcAft>
-                <a:spcPts val="0"/>
-              </a:spcAft>
-              <a:buClr>
-                <a:srgbClr val="000000"/>
-              </a:buClr>
-              <a:buSzPts val="1050"/>
-              <a:buFont typeface="Arial"/>
-              <a:buNone/>
-              <a:defRPr sz="1050" b="1" i="0" u="none" strike="noStrike" cap="none">
-                <a:solidFill>
-                  <a:srgbClr val="000000"/>
-                </a:solidFill>
-                <a:latin typeface="Tahoma"/>
-                <a:ea typeface="Tahoma"/>
-                <a:cs typeface="Tahoma"/>
-                <a:sym typeface="Tahoma"/>
-              </a:defRPr>
-            </a:lvl1pPr>
-            <a:lvl2pPr marL="0" marR="0" lvl="1" indent="0" algn="ctr" rtl="0">
-              <a:lnSpc>
-                <a:spcPct val="100000"/>
-              </a:lnSpc>
-              <a:spcBef>
-                <a:spcPts val="0"/>
-              </a:spcBef>
-              <a:spcAft>
-                <a:spcPts val="0"/>
-              </a:spcAft>
-              <a:buClr>
-                <a:srgbClr val="000000"/>
-              </a:buClr>
-              <a:buSzPts val="1050"/>
-              <a:buFont typeface="Arial"/>
-              <a:buNone/>
-              <a:defRPr sz="1050" b="1" i="0" u="none" strike="noStrike" cap="none">
-                <a:solidFill>
-                  <a:srgbClr val="000000"/>
-                </a:solidFill>
-                <a:latin typeface="Tahoma"/>
-                <a:ea typeface="Tahoma"/>
-                <a:cs typeface="Tahoma"/>
-                <a:sym typeface="Tahoma"/>
-              </a:defRPr>
-            </a:lvl2pPr>
-            <a:lvl3pPr marL="0" marR="0" lvl="2" indent="0" algn="ctr" rtl="0">
-              <a:lnSpc>
-                <a:spcPct val="100000"/>
-              </a:lnSpc>
-              <a:spcBef>
-                <a:spcPts val="0"/>
-              </a:spcBef>
-              <a:spcAft>
-                <a:spcPts val="0"/>
-              </a:spcAft>
-              <a:buClr>
-                <a:srgbClr val="000000"/>
-              </a:buClr>
-              <a:buSzPts val="1050"/>
-              <a:buFont typeface="Arial"/>
-              <a:buNone/>
-              <a:defRPr sz="1050" b="1" i="0" u="none" strike="noStrike" cap="none">
-                <a:solidFill>
-                  <a:srgbClr val="000000"/>
-                </a:solidFill>
-                <a:latin typeface="Tahoma"/>
-                <a:ea typeface="Tahoma"/>
-                <a:cs typeface="Tahoma"/>
-                <a:sym typeface="Tahoma"/>
-              </a:defRPr>
-            </a:lvl3pPr>
-            <a:lvl4pPr marL="0" marR="0" lvl="3" indent="0" algn="ctr" rtl="0">
-              <a:lnSpc>
-                <a:spcPct val="100000"/>
-              </a:lnSpc>
-              <a:spcBef>
-                <a:spcPts val="0"/>
-              </a:spcBef>
-              <a:spcAft>
-                <a:spcPts val="0"/>
-              </a:spcAft>
-              <a:buClr>
-                <a:srgbClr val="000000"/>
-              </a:buClr>
-              <a:buSzPts val="1050"/>
-              <a:buFont typeface="Arial"/>
-              <a:buNone/>
-              <a:defRPr sz="1050" b="1" i="0" u="none" strike="noStrike" cap="none">
-                <a:solidFill>
-                  <a:srgbClr val="000000"/>
-                </a:solidFill>
-                <a:latin typeface="Tahoma"/>
-                <a:ea typeface="Tahoma"/>
-                <a:cs typeface="Tahoma"/>
-                <a:sym typeface="Tahoma"/>
-              </a:defRPr>
-            </a:lvl4pPr>
-            <a:lvl5pPr marL="0" marR="0" lvl="4" indent="0" algn="ctr" rtl="0">
-              <a:lnSpc>
-                <a:spcPct val="100000"/>
-              </a:lnSpc>
-              <a:spcBef>
-                <a:spcPts val="0"/>
-              </a:spcBef>
-              <a:spcAft>
-                <a:spcPts val="0"/>
-              </a:spcAft>
-              <a:buClr>
-                <a:srgbClr val="000000"/>
-              </a:buClr>
-              <a:buSzPts val="1050"/>
-              <a:buFont typeface="Arial"/>
-              <a:buNone/>
-              <a:defRPr sz="1050" b="1" i="0" u="none" strike="noStrike" cap="none">
-                <a:solidFill>
-                  <a:srgbClr val="000000"/>
-                </a:solidFill>
-                <a:latin typeface="Tahoma"/>
-                <a:ea typeface="Tahoma"/>
-                <a:cs typeface="Tahoma"/>
-                <a:sym typeface="Tahoma"/>
-              </a:defRPr>
-            </a:lvl5pPr>
-            <a:lvl6pPr marL="0" marR="0" lvl="5" indent="0" algn="ctr" rtl="0">
-              <a:lnSpc>
-                <a:spcPct val="100000"/>
-              </a:lnSpc>
-              <a:spcBef>
-                <a:spcPts val="0"/>
-              </a:spcBef>
-              <a:spcAft>
-                <a:spcPts val="0"/>
-              </a:spcAft>
-              <a:buClr>
-                <a:srgbClr val="000000"/>
-              </a:buClr>
-              <a:buSzPts val="1050"/>
-              <a:buFont typeface="Arial"/>
-              <a:buNone/>
-              <a:defRPr sz="1050" b="1" i="0" u="none" strike="noStrike" cap="none">
-                <a:solidFill>
-                  <a:srgbClr val="000000"/>
-                </a:solidFill>
-                <a:latin typeface="Tahoma"/>
-                <a:ea typeface="Tahoma"/>
-                <a:cs typeface="Tahoma"/>
-                <a:sym typeface="Tahoma"/>
-              </a:defRPr>
-            </a:lvl6pPr>
-            <a:lvl7pPr marL="0" marR="0" lvl="6" indent="0" algn="ctr" rtl="0">
-              <a:lnSpc>
-                <a:spcPct val="100000"/>
-              </a:lnSpc>
-              <a:spcBef>
-                <a:spcPts val="0"/>
-              </a:spcBef>
-              <a:spcAft>
-                <a:spcPts val="0"/>
-              </a:spcAft>
-              <a:buClr>
-                <a:srgbClr val="000000"/>
-              </a:buClr>
-              <a:buSzPts val="1050"/>
-              <a:buFont typeface="Arial"/>
-              <a:buNone/>
-              <a:defRPr sz="1050" b="1" i="0" u="none" strike="noStrike" cap="none">
-                <a:solidFill>
-                  <a:srgbClr val="000000"/>
-                </a:solidFill>
-                <a:latin typeface="Tahoma"/>
-                <a:ea typeface="Tahoma"/>
-                <a:cs typeface="Tahoma"/>
-                <a:sym typeface="Tahoma"/>
-              </a:defRPr>
-            </a:lvl7pPr>
-            <a:lvl8pPr marL="0" marR="0" lvl="7" indent="0" algn="ctr" rtl="0">
-              <a:lnSpc>
-                <a:spcPct val="100000"/>
-              </a:lnSpc>
-              <a:spcBef>
-                <a:spcPts val="0"/>
-              </a:spcBef>
-              <a:spcAft>
-                <a:spcPts val="0"/>
-              </a:spcAft>
-              <a:buClr>
-                <a:srgbClr val="000000"/>
-              </a:buClr>
-              <a:buSzPts val="1050"/>
-              <a:buFont typeface="Arial"/>
-              <a:buNone/>
-              <a:defRPr sz="1050" b="1" i="0" u="none" strike="noStrike" cap="none">
-                <a:solidFill>
-                  <a:srgbClr val="000000"/>
-                </a:solidFill>
-                <a:latin typeface="Tahoma"/>
-                <a:ea typeface="Tahoma"/>
-                <a:cs typeface="Tahoma"/>
-                <a:sym typeface="Tahoma"/>
-              </a:defRPr>
-            </a:lvl8pPr>
-            <a:lvl9pPr marL="0" marR="0" lvl="8" indent="0" algn="ctr" rtl="0">
-              <a:lnSpc>
-                <a:spcPct val="100000"/>
-              </a:lnSpc>
-              <a:spcBef>
-                <a:spcPts val="0"/>
-              </a:spcBef>
-              <a:spcAft>
-                <a:spcPts val="0"/>
-              </a:spcAft>
-              <a:buClr>
-                <a:srgbClr val="000000"/>
-              </a:buClr>
-              <a:buSzPts val="1050"/>
-              <a:buFont typeface="Arial"/>
-              <a:buNone/>
-              <a:defRPr sz="1050" b="1" i="0" u="none" strike="noStrike" cap="none">
-                <a:solidFill>
-                  <a:srgbClr val="000000"/>
-                </a:solidFill>
-                <a:latin typeface="Tahoma"/>
-                <a:ea typeface="Tahoma"/>
-                <a:cs typeface="Tahoma"/>
-                <a:sym typeface="Tahoma"/>
-              </a:defRPr>
-            </a:lvl9pPr>
-          </a:lstStyle>
-          <a:p>
-            <a:pPr>
-              <a:buSzPts val="1000"/>
-            </a:pPr>
-            <a:fld id="{00000000-1234-1234-1234-123412341234}" type="slidenum">
-              <a:rPr lang="en-US" smtClean="0"/>
-              <a:pPr>
-                <a:buSzPts val="1000"/>
-              </a:pPr>
-              <a:t>16</a:t>
-            </a:fld>
-            <a:endParaRPr lang="en-US"/>
-          </a:p>
-        </p:txBody>
-      </p:sp>
-      <p:pic>
-        <p:nvPicPr>
-          <p:cNvPr id="50" name="Picture 49" descr="Diagram&#10;&#10;Description automatically generated">
-            <a:extLst>
-              <a:ext uri="{FF2B5EF4-FFF2-40B4-BE49-F238E27FC236}">
-                <a16:creationId xmlns:a16="http://schemas.microsoft.com/office/drawing/2014/main" id="{06D68D45-5A8D-4F49-B66C-0F7FF6F0BB3B}"/>
-              </a:ext>
-            </a:extLst>
-          </p:cNvPr>
-          <p:cNvPicPr>
-            <a:picLocks noChangeAspect="1"/>
-          </p:cNvPicPr>
-          <p:nvPr/>
-        </p:nvPicPr>
-        <p:blipFill>
-          <a:blip r:embed="rId3"/>
-          <a:stretch>
-            <a:fillRect/>
-          </a:stretch>
-        </p:blipFill>
-        <p:spPr>
-          <a:xfrm>
-            <a:off x="5566599" y="1274421"/>
-            <a:ext cx="6320601" cy="4309158"/>
-          </a:xfrm>
-          <a:prstGeom prst="rect">
-            <a:avLst/>
-          </a:prstGeom>
-        </p:spPr>
-      </p:pic>
-    </p:spTree>
-    <p:extLst>
-      <p:ext uri="{BB962C8B-B14F-4D97-AF65-F5344CB8AC3E}">
-        <p14:creationId xmlns:p14="http://schemas.microsoft.com/office/powerpoint/2010/main" val="4152613427"/>
-      </p:ext>
-    </p:extLst>
-  </p:cSld>
-  <p:clrMapOvr>
-    <a:masterClrMapping/>
-  </p:clrMapOvr>
-  <mc:AlternateContent xmlns:mc="http://schemas.openxmlformats.org/markup-compatibility/2006" xmlns:p14="http://schemas.microsoft.com/office/powerpoint/2010/main">
-    <mc:Choice Requires="p14">
-      <p:transition spd="med" p14:dur="700">
-        <p:fade/>
-      </p:transition>
-    </mc:Choice>
-    <mc:Fallback xmlns="">
-      <p:transition spd="med">
-        <p:fade/>
-      </p:transition>
-    </mc:Fallback>
-  </mc:AlternateContent>
-  <p:timing>
-    <p:tnLst>
-      <p:par>
-        <p:cTn id="1" dur="indefinite" restart="never" nodeType="tmRoot">
-          <p:childTnLst>
-            <p:seq concurrent="1" nextAc="seek">
-              <p:cTn id="2" dur="indefinite" nodeType="mainSeq">
-                <p:childTnLst>
-                  <p:par>
-                    <p:cTn id="3" fill="hold">
-                      <p:stCondLst>
-                        <p:cond delay="indefinite"/>
-                      </p:stCondLst>
-                      <p:childTnLst>
-                        <p:par>
-                          <p:cTn id="4" fill="hold">
-                            <p:stCondLst>
-                              <p:cond delay="0"/>
-                            </p:stCondLst>
-                            <p:childTnLst>
-                              <p:par>
-                                <p:cTn id="5" presetID="1" presetClass="entr" presetSubtype="0" fill="hold" nodeType="clickEffect">
-                                  <p:stCondLst>
-                                    <p:cond delay="0"/>
-                                  </p:stCondLst>
-                                  <p:childTnLst>
-                                    <p:set>
-                                      <p:cBhvr>
-                                        <p:cTn id="6" dur="1" fill="hold">
-                                          <p:stCondLst>
-                                            <p:cond delay="0"/>
-                                          </p:stCondLst>
-                                        </p:cTn>
-                                        <p:tgtEl>
-                                          <p:spTgt spid="9">
-                                            <p:txEl>
-                                              <p:pRg st="3" end="3"/>
-                                            </p:txEl>
-                                          </p:spTgt>
-                                        </p:tgtEl>
-                                        <p:attrNameLst>
-                                          <p:attrName>style.visibility</p:attrName>
-                                        </p:attrNameLst>
-                                      </p:cBhvr>
-                                      <p:to>
-                                        <p:strVal val="visible"/>
-                                      </p:to>
-                                    </p:set>
-                                  </p:childTnLst>
-                                </p:cTn>
-                              </p:par>
-                              <p:par>
-                                <p:cTn id="7" presetID="1" presetClass="entr" presetSubtype="0" fill="hold" nodeType="withEffect">
-                                  <p:stCondLst>
-                                    <p:cond delay="0"/>
-                                  </p:stCondLst>
-                                  <p:childTnLst>
-                                    <p:set>
-                                      <p:cBhvr>
-                                        <p:cTn id="8" dur="1" fill="hold">
-                                          <p:stCondLst>
-                                            <p:cond delay="0"/>
-                                          </p:stCondLst>
-                                        </p:cTn>
-                                        <p:tgtEl>
-                                          <p:spTgt spid="9">
-                                            <p:txEl>
-                                              <p:pRg st="4" end="4"/>
-                                            </p:txEl>
-                                          </p:spTgt>
-                                        </p:tgtEl>
-                                        <p:attrNameLst>
-                                          <p:attrName>style.visibility</p:attrName>
-                                        </p:attrNameLst>
-                                      </p:cBhvr>
-                                      <p:to>
-                                        <p:strVal val="visible"/>
-                                      </p:to>
-                                    </p:set>
-                                  </p:childTnLst>
-                                </p:cTn>
-                              </p:par>
-                              <p:par>
-                                <p:cTn id="9" presetID="1" presetClass="entr" presetSubtype="0" fill="hold" nodeType="withEffect">
-                                  <p:stCondLst>
-                                    <p:cond delay="0"/>
-                                  </p:stCondLst>
-                                  <p:childTnLst>
-                                    <p:set>
-                                      <p:cBhvr>
-                                        <p:cTn id="10" dur="1" fill="hold">
-                                          <p:stCondLst>
-                                            <p:cond delay="0"/>
-                                          </p:stCondLst>
-                                        </p:cTn>
-                                        <p:tgtEl>
-                                          <p:spTgt spid="9">
-                                            <p:txEl>
-                                              <p:pRg st="5" end="5"/>
-                                            </p:txEl>
-                                          </p:spTgt>
-                                        </p:tgtEl>
-                                        <p:attrNameLst>
-                                          <p:attrName>style.visibility</p:attrName>
-                                        </p:attrNameLst>
-                                      </p:cBhvr>
-                                      <p:to>
-                                        <p:strVal val="visible"/>
-                                      </p:to>
-                                    </p:set>
-                                  </p:childTnLst>
-                                </p:cTn>
-                              </p:par>
-                              <p:par>
-                                <p:cTn id="11" presetID="1" presetClass="entr" presetSubtype="0" fill="hold" nodeType="withEffect">
-                                  <p:stCondLst>
-                                    <p:cond delay="0"/>
-                                  </p:stCondLst>
-                                  <p:childTnLst>
-                                    <p:set>
-                                      <p:cBhvr>
-                                        <p:cTn id="12" dur="1" fill="hold">
-                                          <p:stCondLst>
-                                            <p:cond delay="0"/>
-                                          </p:stCondLst>
-                                        </p:cTn>
-                                        <p:tgtEl>
-                                          <p:spTgt spid="9">
-                                            <p:txEl>
-                                              <p:pRg st="6" end="6"/>
-                                            </p:txEl>
-                                          </p:spTgt>
-                                        </p:tgtEl>
-                                        <p:attrNameLst>
-                                          <p:attrName>style.visibility</p:attrName>
-                                        </p:attrNameLst>
-                                      </p:cBhvr>
-                                      <p:to>
-                                        <p:strVal val="visible"/>
-                                      </p:to>
-                                    </p:set>
-                                  </p:childTnLst>
-                                </p:cTn>
-                              </p:par>
-                              <p:par>
-                                <p:cTn id="13" presetID="1" presetClass="entr" presetSubtype="0" fill="hold" nodeType="withEffect">
-                                  <p:stCondLst>
-                                    <p:cond delay="0"/>
-                                  </p:stCondLst>
-                                  <p:childTnLst>
-                                    <p:set>
-                                      <p:cBhvr>
-                                        <p:cTn id="14" dur="1" fill="hold">
-                                          <p:stCondLst>
-                                            <p:cond delay="0"/>
-                                          </p:stCondLst>
-                                        </p:cTn>
-                                        <p:tgtEl>
-                                          <p:spTgt spid="9">
-                                            <p:txEl>
-                                              <p:pRg st="7" end="7"/>
-                                            </p:txEl>
-                                          </p:spTgt>
-                                        </p:tgtEl>
-                                        <p:attrNameLst>
-                                          <p:attrName>style.visibility</p:attrName>
-                                        </p:attrNameLst>
-                                      </p:cBhvr>
-                                      <p:to>
-                                        <p:strVal val="visible"/>
-                                      </p:to>
-                                    </p:set>
-                                  </p:childTnLst>
-                                </p:cTn>
-                              </p:par>
-                              <p:par>
-                                <p:cTn id="15" presetID="1" presetClass="entr" presetSubtype="0" fill="hold" nodeType="withEffect">
-                                  <p:stCondLst>
-                                    <p:cond delay="0"/>
-                                  </p:stCondLst>
-                                  <p:childTnLst>
-                                    <p:set>
-                                      <p:cBhvr>
-                                        <p:cTn id="16" dur="1" fill="hold">
-                                          <p:stCondLst>
-                                            <p:cond delay="0"/>
-                                          </p:stCondLst>
-                                        </p:cTn>
-                                        <p:tgtEl>
-                                          <p:spTgt spid="9">
-                                            <p:txEl>
-                                              <p:pRg st="8" end="8"/>
-                                            </p:txEl>
-                                          </p:spTgt>
-                                        </p:tgtEl>
-                                        <p:attrNameLst>
-                                          <p:attrName>style.visibility</p:attrName>
-                                        </p:attrNameLst>
-                                      </p:cBhvr>
-                                      <p:to>
-                                        <p:strVal val="visible"/>
-                                      </p:to>
-                                    </p:set>
-                                  </p:childTnLst>
-                                </p:cTn>
-                              </p:par>
-                              <p:par>
-                                <p:cTn id="17" presetID="1" presetClass="entr" presetSubtype="0" fill="hold" nodeType="withEffect">
-                                  <p:stCondLst>
-                                    <p:cond delay="0"/>
-                                  </p:stCondLst>
-                                  <p:childTnLst>
-                                    <p:set>
-                                      <p:cBhvr>
-                                        <p:cTn id="18" dur="1" fill="hold">
-                                          <p:stCondLst>
-                                            <p:cond delay="0"/>
-                                          </p:stCondLst>
-                                        </p:cTn>
-                                        <p:tgtEl>
-                                          <p:spTgt spid="9">
-                                            <p:txEl>
-                                              <p:pRg st="9" end="9"/>
-                                            </p:txEl>
-                                          </p:spTgt>
-                                        </p:tgtEl>
-                                        <p:attrNameLst>
-                                          <p:attrName>style.visibility</p:attrName>
-                                        </p:attrNameLst>
-                                      </p:cBhvr>
-                                      <p:to>
-                                        <p:strVal val="visible"/>
-                                      </p:to>
-                                    </p:set>
-                                  </p:childTnLst>
-                                </p:cTn>
-                              </p:par>
-                            </p:childTnLst>
-                          </p:cTn>
-                        </p:par>
-                      </p:childTnLst>
-                    </p:cTn>
-                  </p:par>
-                </p:childTnLst>
-              </p:cTn>
-              <p:prevCondLst>
-                <p:cond evt="onPrev" delay="0">
-                  <p:tgtEl>
-                    <p:sldTgt/>
-                  </p:tgtEl>
-                </p:cond>
-              </p:prevCondLst>
-              <p:nextCondLst>
-                <p:cond evt="onNext" delay="0">
-                  <p:tgtEl>
-                    <p:sldTgt/>
-                  </p:tgtEl>
-                </p:cond>
-              </p:nextCondLst>
-            </p:seq>
-          </p:childTnLst>
-        </p:cTn>
-      </p:par>
-    </p:tnLst>
-  </p:timing>
-</p:sld>
-</file>
-
-<file path=ppt/slides/slide17.xml><?xml version="1.0" encoding="utf-8"?>
-<p:sld xmlns:a="http://schemas.openxmlformats.org/drawingml/2006/main" xmlns:r="http://schemas.openxmlformats.org/officeDocument/2006/relationships" xmlns:p="http://schemas.openxmlformats.org/presentationml/2006/main">
-  <p:cSld>
-    <p:spTree>
-      <p:nvGrpSpPr>
-        <p:cNvPr id="1" name="Shape 275"/>
-        <p:cNvGrpSpPr/>
-        <p:nvPr/>
-      </p:nvGrpSpPr>
-      <p:grpSpPr>
-        <a:xfrm>
-          <a:off x="0" y="0"/>
-          <a:ext cx="0" cy="0"/>
-          <a:chOff x="0" y="0"/>
-          <a:chExt cx="0" cy="0"/>
-        </a:xfrm>
-      </p:grpSpPr>
-      <p:sp>
-        <p:nvSpPr>
           <p:cNvPr id="256" name="Rectangle: Rounded Corners 255">
             <a:extLst>
               <a:ext uri="{FF2B5EF4-FFF2-40B4-BE49-F238E27FC236}">
@@ -37335,7 +36220,11 @@
             </a:pPr>
             <a:r>
               <a:rPr lang="en-US" dirty="0"/>
-              <a:t>Vortex High-bandwidth Caches (3)</a:t>
+              <a:t>Vortex High-bandwidth </a:t>
+            </a:r>
+            <a:r>
+              <a:rPr lang="en-US"/>
+              <a:t>Caches (2)</a:t>
             </a:r>
             <a:endParaRPr dirty="0"/>
           </a:p>
@@ -37443,7 +36332,7 @@
                   <a:srgbClr val="000000"/>
                 </a:solidFill>
               </a:rPr>
-              <a:t>17</a:t>
+              <a:t>16</a:t>
             </a:fld>
             <a:endParaRPr>
               <a:solidFill>
@@ -40284,7 +39173,7 @@
 </p:sld>
 </file>
 
-<file path=ppt/slides/slide18.xml><?xml version="1.0" encoding="utf-8"?>
+<file path=ppt/slides/slide17.xml><?xml version="1.0" encoding="utf-8"?>
 <p:sld xmlns:a="http://schemas.openxmlformats.org/drawingml/2006/main" xmlns:r="http://schemas.openxmlformats.org/officeDocument/2006/relationships" xmlns:p="http://schemas.openxmlformats.org/presentationml/2006/main">
   <p:cSld>
     <p:spTree>
@@ -40453,7 +39342,7 @@
                   <a:srgbClr val="000000"/>
                 </a:solidFill>
               </a:rPr>
-              <a:t>18</a:t>
+              <a:t>17</a:t>
             </a:fld>
             <a:endParaRPr>
               <a:solidFill>
@@ -41151,7 +40040,7 @@
         </p:spPr>
         <p:txBody>
           <a:bodyPr spcFirstLastPara="1" wrap="square" lIns="91425" tIns="45700" rIns="91425" bIns="45700" anchor="t" anchorCtr="0">
-            <a:normAutofit lnSpcReduction="10000"/>
+            <a:normAutofit fontScale="92500" lnSpcReduction="20000"/>
           </a:bodyPr>
           <a:lstStyle/>
           <a:p>
@@ -41275,7 +40164,16 @@
             </a:pPr>
             <a:r>
               <a:rPr lang="en-US" dirty="0"/>
-              <a:t>OPAE: FPGA Driver API</a:t>
+              <a:t>OPAE: Intel FPGA API</a:t>
+            </a:r>
+          </a:p>
+          <a:p>
+            <a:pPr marL="548640" lvl="1" indent="-274319">
+              <a:buSzPts val="1824"/>
+            </a:pPr>
+            <a:r>
+              <a:rPr lang="en-US" dirty="0"/>
+              <a:t>XRT: Xilinx FPGA API</a:t>
             </a:r>
             <a:endParaRPr dirty="0"/>
           </a:p>
@@ -41395,7 +40293,7 @@
         <p:fade/>
       </p:transition>
     </mc:Choice>
-    <mc:Fallback xmlns:p15="http://schemas.microsoft.com/office/powerpoint/2012/main" xmlns:com="http://schemas.openxmlformats.org/drawingml/2006/compatibility" xmlns:pvml="urn:schemas-microsoft-com:office:powerpoint" xmlns:v="urn:schemas-microsoft-com:vml" xmlns:o="urn:schemas-microsoft-com:office:office" xmlns:dgm="http://schemas.openxmlformats.org/drawingml/2006/diagram" xmlns:c="http://schemas.openxmlformats.org/drawingml/2006/chart" xmlns:mv="urn:schemas-microsoft-com:mac:vml" xmlns="">
+    <mc:Fallback xmlns="" xmlns:mv="urn:schemas-microsoft-com:mac:vml" xmlns:c="http://schemas.openxmlformats.org/drawingml/2006/chart" xmlns:dgm="http://schemas.openxmlformats.org/drawingml/2006/diagram" xmlns:o="urn:schemas-microsoft-com:office:office" xmlns:v="urn:schemas-microsoft-com:vml" xmlns:pvml="urn:schemas-microsoft-com:office:powerpoint" xmlns:com="http://schemas.openxmlformats.org/drawingml/2006/compatibility" xmlns:p15="http://schemas.microsoft.com/office/powerpoint/2012/main">
       <p:transition spd="slow">
         <p:fade/>
       </p:transition>
@@ -45111,15 +44009,6 @@
 </file>
 
 <file path=customXml/item1.xml><?xml version="1.0" encoding="utf-8"?>
-<?mso-contentType ?>
-<FormTemplates xmlns="http://schemas.microsoft.com/sharepoint/v3/contenttype/forms">
-  <Display>DocumentLibraryForm</Display>
-  <Edit>DocumentLibraryForm</Edit>
-  <New>DocumentLibraryForm</New>
-</FormTemplates>
-</file>
-
-<file path=customXml/item2.xml><?xml version="1.0" encoding="utf-8"?>
 <ct:contentTypeSchema xmlns:ct="http://schemas.microsoft.com/office/2006/metadata/contentType" xmlns:ma="http://schemas.microsoft.com/office/2006/metadata/properties/metaAttributes" ct:_="" ma:_="" ma:contentTypeName="Document" ma:contentTypeID="0x010100AAFB5C5C43C8E84ABE433E05E59A4B5B" ma:contentTypeVersion="17" ma:contentTypeDescription="Create a new document." ma:contentTypeScope="" ma:versionID="31a70927d72970bda2078b08d81b4e6c">
   <xsd:schema xmlns:xsd="http://www.w3.org/2001/XMLSchema" xmlns:xs="http://www.w3.org/2001/XMLSchema" xmlns:p="http://schemas.microsoft.com/office/2006/metadata/properties" xmlns:ns2="f01fee57-14a4-4fb3-a7a7-17af854556b0" xmlns:ns3="703aaed8-5f35-4ebd-8684-7d64e521d80b" targetNamespace="http://schemas.microsoft.com/office/2006/metadata/properties" ma:root="true" ma:fieldsID="380c7c7c4fd0bbeb6e39640be2ed152d" ns2:_="" ns3:_="">
     <xsd:import namespace="f01fee57-14a4-4fb3-a7a7-17af854556b0"/>
@@ -45368,6 +44257,15 @@
 </ct:contentTypeSchema>
 </file>
 
+<file path=customXml/item2.xml><?xml version="1.0" encoding="utf-8"?>
+<?mso-contentType ?>
+<FormTemplates xmlns="http://schemas.microsoft.com/sharepoint/v3/contenttype/forms">
+  <Display>DocumentLibraryForm</Display>
+  <Edit>DocumentLibraryForm</Edit>
+  <New>DocumentLibraryForm</New>
+</FormTemplates>
+</file>
+
 <file path=customXml/item3.xml><?xml version="1.0" encoding="utf-8"?>
 <p:properties xmlns:p="http://schemas.microsoft.com/office/2006/metadata/properties" xmlns:xsi="http://www.w3.org/2001/XMLSchema-instance" xmlns:pc="http://schemas.microsoft.com/office/infopath/2007/PartnerControls">
   <documentManagement>
@@ -45380,15 +44278,15 @@
 </file>
 
 <file path=customXml/itemProps1.xml><?xml version="1.0" encoding="utf-8"?>
+<ds:datastoreItem xmlns:ds="http://schemas.openxmlformats.org/officeDocument/2006/customXml" ds:itemID="{5F3D3E30-CC4A-4C28-A5CE-A4B478D54354}"/>
+</file>
+
+<file path=customXml/itemProps2.xml><?xml version="1.0" encoding="utf-8"?>
 <ds:datastoreItem xmlns:ds="http://schemas.openxmlformats.org/officeDocument/2006/customXml" ds:itemID="{C242DC33-4890-45EF-929E-C505358E6A81}">
   <ds:schemaRefs>
     <ds:schemaRef ds:uri="http://schemas.microsoft.com/sharepoint/v3/contenttype/forms"/>
   </ds:schemaRefs>
 </ds:datastoreItem>
-</file>
-
-<file path=customXml/itemProps2.xml><?xml version="1.0" encoding="utf-8"?>
-<ds:datastoreItem xmlns:ds="http://schemas.openxmlformats.org/officeDocument/2006/customXml" ds:itemID="{311CBF46-358B-48D7-9037-0A9F5A6A41DA}"/>
 </file>
 
 <file path=customXml/itemProps3.xml><?xml version="1.0" encoding="utf-8"?>
